--- a/static/Presentations/0_Course-overview.pptx
+++ b/static/Presentations/0_Course-overview.pptx
@@ -5,10 +5,10 @@
     <p:sldMasterId id="2147483660" r:id="rId1"/>
   </p:sldMasterIdLst>
   <p:notesMasterIdLst>
-    <p:notesMasterId r:id="rId14"/>
+    <p:notesMasterId r:id="rId13"/>
   </p:notesMasterIdLst>
   <p:handoutMasterIdLst>
-    <p:handoutMasterId r:id="rId15"/>
+    <p:handoutMasterId r:id="rId14"/>
   </p:handoutMasterIdLst>
   <p:sldIdLst>
     <p:sldId id="302" r:id="rId2"/>
@@ -22,12 +22,11 @@
     <p:sldId id="315" r:id="rId10"/>
     <p:sldId id="314" r:id="rId11"/>
     <p:sldId id="313" r:id="rId12"/>
-    <p:sldId id="287" r:id="rId13"/>
   </p:sldIdLst>
   <p:sldSz cx="12192000" cy="6858000"/>
   <p:notesSz cx="6858000" cy="9144000"/>
   <p:custDataLst>
-    <p:tags r:id="rId16"/>
+    <p:tags r:id="rId15"/>
   </p:custDataLst>
   <p:defaultTextStyle>
     <a:defPPr>
@@ -229,7 +228,7 @@
           <a:p>
             <a:fld id="{90932C27-7A12-5D47-865F-0077DE711A5B}" type="datetimeFigureOut">
               <a:rPr lang="en-US" smtClean="0"/>
-              <a:t>11/3/22</a:t>
+              <a:t>11/6/22</a:t>
             </a:fld>
             <a:endParaRPr lang="en-US"/>
           </a:p>
@@ -406,7 +405,7 @@
           <a:p>
             <a:fld id="{0FEDCE38-12D8-824E-8313-E5640C50BE3F}" type="datetimeFigureOut">
               <a:rPr lang="en-US" smtClean="0"/>
-              <a:t>11/3/22</a:t>
+              <a:t>11/6/22</a:t>
             </a:fld>
             <a:endParaRPr lang="en-US"/>
           </a:p>
@@ -4098,190 +4097,6 @@
       </p:par>
     </p:tnLst>
   </p:timing>
-</p:sld>
-</file>
-
-<file path=ppt/slides/slide12.xml><?xml version="1.0" encoding="utf-8"?>
-<p:sld xmlns:a="http://schemas.openxmlformats.org/drawingml/2006/main" xmlns:r="http://schemas.openxmlformats.org/officeDocument/2006/relationships" xmlns:p="http://schemas.openxmlformats.org/presentationml/2006/main">
-  <p:cSld>
-    <p:spTree>
-      <p:nvGrpSpPr>
-        <p:cNvPr id="1" name=""/>
-        <p:cNvGrpSpPr/>
-        <p:nvPr/>
-      </p:nvGrpSpPr>
-      <p:grpSpPr>
-        <a:xfrm>
-          <a:off x="0" y="0"/>
-          <a:ext cx="0" cy="0"/>
-          <a:chOff x="0" y="0"/>
-          <a:chExt cx="0" cy="0"/>
-        </a:xfrm>
-      </p:grpSpPr>
-      <p:pic>
-        <p:nvPicPr>
-          <p:cNvPr id="59" name="Picture 58">
-            <a:extLst>
-              <a:ext uri="{FF2B5EF4-FFF2-40B4-BE49-F238E27FC236}">
-                <a16:creationId xmlns:a16="http://schemas.microsoft.com/office/drawing/2014/main" id="{E8299E25-E0DE-654D-9732-AE02AE96E98D}"/>
-              </a:ext>
-            </a:extLst>
-          </p:cNvPr>
-          <p:cNvPicPr>
-            <a:picLocks noChangeAspect="1"/>
-          </p:cNvPicPr>
-          <p:nvPr/>
-        </p:nvPicPr>
-        <p:blipFill>
-          <a:blip r:embed="rId2">
-            <a:alphaModFix amt="11000"/>
-          </a:blip>
-          <a:stretch>
-            <a:fillRect/>
-          </a:stretch>
-        </p:blipFill>
-        <p:spPr>
-          <a:xfrm>
-            <a:off x="-9942" y="-1"/>
-            <a:ext cx="12192000" cy="1818335"/>
-          </a:xfrm>
-          <a:prstGeom prst="rect">
-            <a:avLst/>
-          </a:prstGeom>
-        </p:spPr>
-      </p:pic>
-      <p:sp>
-        <p:nvSpPr>
-          <p:cNvPr id="60" name="TextBox 59">
-            <a:extLst>
-              <a:ext uri="{FF2B5EF4-FFF2-40B4-BE49-F238E27FC236}">
-                <a16:creationId xmlns:a16="http://schemas.microsoft.com/office/drawing/2014/main" id="{B3D1A539-FC5C-3F42-A8E9-D4F13F8F8382}"/>
-              </a:ext>
-            </a:extLst>
-          </p:cNvPr>
-          <p:cNvSpPr txBox="1"/>
-          <p:nvPr/>
-        </p:nvSpPr>
-        <p:spPr>
-          <a:xfrm>
-            <a:off x="-9939" y="0"/>
-            <a:ext cx="12201939" cy="1819373"/>
-          </a:xfrm>
-          <a:prstGeom prst="rect">
-            <a:avLst/>
-          </a:prstGeom>
-          <a:noFill/>
-          <a:ln>
-            <a:solidFill>
-              <a:schemeClr val="tx1"/>
-            </a:solidFill>
-          </a:ln>
-        </p:spPr>
-        <p:txBody>
-          <a:bodyPr wrap="square" rtlCol="0">
-            <a:noAutofit/>
-          </a:bodyPr>
-          <a:lstStyle/>
-          <a:p>
-            <a:pPr algn="ctr"/>
-            <a:endParaRPr lang="en-US" sz="1400" b="1" dirty="0">
-              <a:solidFill>
-                <a:srgbClr val="C00000"/>
-              </a:solidFill>
-            </a:endParaRPr>
-          </a:p>
-          <a:p>
-            <a:pPr algn="ctr"/>
-            <a:endParaRPr lang="en-US" sz="1400" b="1" dirty="0">
-              <a:solidFill>
-                <a:srgbClr val="C00000"/>
-              </a:solidFill>
-            </a:endParaRPr>
-          </a:p>
-          <a:p>
-            <a:pPr algn="ctr"/>
-            <a:endParaRPr lang="en-US" sz="1400" b="1" dirty="0">
-              <a:solidFill>
-                <a:srgbClr val="C00000"/>
-              </a:solidFill>
-            </a:endParaRPr>
-          </a:p>
-          <a:p>
-            <a:pPr algn="ctr"/>
-            <a:r>
-              <a:rPr lang="en-US" sz="3200" b="1" dirty="0">
-                <a:solidFill>
-                  <a:srgbClr val="C00000"/>
-                </a:solidFill>
-              </a:rPr>
-              <a:t>Any question? </a:t>
-            </a:r>
-          </a:p>
-          <a:p>
-            <a:pPr algn="ctr"/>
-            <a:endParaRPr lang="en-US" b="1" dirty="0">
-              <a:sym typeface="Wingdings" pitchFamily="2" charset="2"/>
-            </a:endParaRPr>
-          </a:p>
-        </p:txBody>
-      </p:sp>
-      <p:pic>
-        <p:nvPicPr>
-          <p:cNvPr id="1026" name="Picture 2">
-            <a:extLst>
-              <a:ext uri="{FF2B5EF4-FFF2-40B4-BE49-F238E27FC236}">
-                <a16:creationId xmlns:a16="http://schemas.microsoft.com/office/drawing/2014/main" id="{9E38AC76-C99E-3545-8DCD-3B6AD515B932}"/>
-              </a:ext>
-            </a:extLst>
-          </p:cNvPr>
-          <p:cNvPicPr>
-            <a:picLocks noChangeAspect="1" noChangeArrowheads="1"/>
-          </p:cNvPicPr>
-          <p:nvPr/>
-        </p:nvPicPr>
-        <p:blipFill>
-          <a:blip r:embed="rId3">
-            <a:extLst>
-              <a:ext uri="{28A0092B-C50C-407E-A947-70E740481C1C}">
-                <a14:useLocalDpi xmlns:a14="http://schemas.microsoft.com/office/drawing/2010/main" val="0"/>
-              </a:ext>
-            </a:extLst>
-          </a:blip>
-          <a:srcRect/>
-          <a:stretch>
-            <a:fillRect/>
-          </a:stretch>
-        </p:blipFill>
-        <p:spPr bwMode="auto">
-          <a:xfrm>
-            <a:off x="9441950" y="100273"/>
-            <a:ext cx="2874267" cy="1617786"/>
-          </a:xfrm>
-          <a:prstGeom prst="rect">
-            <a:avLst/>
-          </a:prstGeom>
-          <a:noFill/>
-          <a:extLst>
-            <a:ext uri="{909E8E84-426E-40DD-AFC4-6F175D3DCCD1}">
-              <a14:hiddenFill xmlns:a14="http://schemas.microsoft.com/office/drawing/2010/main">
-                <a:solidFill>
-                  <a:srgbClr val="FFFFFF"/>
-                </a:solidFill>
-              </a14:hiddenFill>
-            </a:ext>
-          </a:extLst>
-        </p:spPr>
-      </p:pic>
-    </p:spTree>
-    <p:extLst>
-      <p:ext uri="{BB962C8B-B14F-4D97-AF65-F5344CB8AC3E}">
-        <p14:creationId xmlns:p14="http://schemas.microsoft.com/office/powerpoint/2010/main" val="3209041278"/>
-      </p:ext>
-    </p:extLst>
-  </p:cSld>
-  <p:clrMapOvr>
-    <a:masterClrMapping/>
-  </p:clrMapOvr>
 </p:sld>
 </file>
 
